--- a/SpeakerDeckTemplates/SpeakerSlides.pptx
+++ b/SpeakerDeckTemplates/SpeakerSlides.pptx
@@ -246,7 +246,7 @@
           <a:p>
             <a:fld id="{1906F911-B8F3-1042-B226-54911C0C3F55}" type="datetimeFigureOut">
               <a:rPr lang="en-US" smtClean="0"/>
-              <a:t>7/22/17</a:t>
+              <a:t>7/29/17</a:t>
             </a:fld>
             <a:endParaRPr lang="en-US"/>
           </a:p>
@@ -416,7 +416,7 @@
           <a:p>
             <a:fld id="{1906F911-B8F3-1042-B226-54911C0C3F55}" type="datetimeFigureOut">
               <a:rPr lang="en-US" smtClean="0"/>
-              <a:t>7/22/17</a:t>
+              <a:t>7/29/17</a:t>
             </a:fld>
             <a:endParaRPr lang="en-US"/>
           </a:p>
@@ -596,7 +596,7 @@
           <a:p>
             <a:fld id="{1906F911-B8F3-1042-B226-54911C0C3F55}" type="datetimeFigureOut">
               <a:rPr lang="en-US" smtClean="0"/>
-              <a:t>7/22/17</a:t>
+              <a:t>7/29/17</a:t>
             </a:fld>
             <a:endParaRPr lang="en-US"/>
           </a:p>
@@ -766,7 +766,7 @@
           <a:p>
             <a:fld id="{1906F911-B8F3-1042-B226-54911C0C3F55}" type="datetimeFigureOut">
               <a:rPr lang="en-US" smtClean="0"/>
-              <a:t>7/22/17</a:t>
+              <a:t>7/29/17</a:t>
             </a:fld>
             <a:endParaRPr lang="en-US"/>
           </a:p>
@@ -1012,7 +1012,7 @@
           <a:p>
             <a:fld id="{1906F911-B8F3-1042-B226-54911C0C3F55}" type="datetimeFigureOut">
               <a:rPr lang="en-US" smtClean="0"/>
-              <a:t>7/22/17</a:t>
+              <a:t>7/29/17</a:t>
             </a:fld>
             <a:endParaRPr lang="en-US"/>
           </a:p>
@@ -1244,7 +1244,7 @@
           <a:p>
             <a:fld id="{1906F911-B8F3-1042-B226-54911C0C3F55}" type="datetimeFigureOut">
               <a:rPr lang="en-US" smtClean="0"/>
-              <a:t>7/22/17</a:t>
+              <a:t>7/29/17</a:t>
             </a:fld>
             <a:endParaRPr lang="en-US"/>
           </a:p>
@@ -1611,7 +1611,7 @@
           <a:p>
             <a:fld id="{1906F911-B8F3-1042-B226-54911C0C3F55}" type="datetimeFigureOut">
               <a:rPr lang="en-US" smtClean="0"/>
-              <a:t>7/22/17</a:t>
+              <a:t>7/29/17</a:t>
             </a:fld>
             <a:endParaRPr lang="en-US"/>
           </a:p>
@@ -1729,7 +1729,7 @@
           <a:p>
             <a:fld id="{1906F911-B8F3-1042-B226-54911C0C3F55}" type="datetimeFigureOut">
               <a:rPr lang="en-US" smtClean="0"/>
-              <a:t>7/22/17</a:t>
+              <a:t>7/29/17</a:t>
             </a:fld>
             <a:endParaRPr lang="en-US"/>
           </a:p>
@@ -1824,7 +1824,7 @@
           <a:p>
             <a:fld id="{1906F911-B8F3-1042-B226-54911C0C3F55}" type="datetimeFigureOut">
               <a:rPr lang="en-US" smtClean="0"/>
-              <a:t>7/22/17</a:t>
+              <a:t>7/29/17</a:t>
             </a:fld>
             <a:endParaRPr lang="en-US"/>
           </a:p>
@@ -2101,7 +2101,7 @@
           <a:p>
             <a:fld id="{1906F911-B8F3-1042-B226-54911C0C3F55}" type="datetimeFigureOut">
               <a:rPr lang="en-US" smtClean="0"/>
-              <a:t>7/22/17</a:t>
+              <a:t>7/29/17</a:t>
             </a:fld>
             <a:endParaRPr lang="en-US"/>
           </a:p>
@@ -2354,7 +2354,7 @@
           <a:p>
             <a:fld id="{1906F911-B8F3-1042-B226-54911C0C3F55}" type="datetimeFigureOut">
               <a:rPr lang="en-US" smtClean="0"/>
-              <a:t>7/22/17</a:t>
+              <a:t>7/29/17</a:t>
             </a:fld>
             <a:endParaRPr lang="en-US"/>
           </a:p>
@@ -2567,7 +2567,7 @@
           <a:p>
             <a:fld id="{1906F911-B8F3-1042-B226-54911C0C3F55}" type="datetimeFigureOut">
               <a:rPr lang="en-US" smtClean="0"/>
-              <a:t>7/22/17</a:t>
+              <a:t>7/29/17</a:t>
             </a:fld>
             <a:endParaRPr lang="en-US"/>
           </a:p>
@@ -3127,7 +3127,7 @@
       </p:grpSpPr>
       <p:pic>
         <p:nvPicPr>
-          <p:cNvPr id="2" name="Picture 1"/>
+          <p:cNvPr id="3" name="Picture 2"/>
           <p:cNvPicPr>
             <a:picLocks noChangeAspect="1"/>
           </p:cNvPicPr>
